--- a/16bit Bootloader API reference.pptx
+++ b/16bit Bootloader API reference.pptx
@@ -6,8 +6,8 @@
   </p:sldMasterIdLst>
   <p:sldIdLst>
     <p:sldId id="256" r:id="rId2"/>
-    <p:sldId id="257" r:id="rId3"/>
-    <p:sldId id="258" r:id="rId4"/>
+    <p:sldId id="266" r:id="rId3"/>
+    <p:sldId id="267" r:id="rId4"/>
     <p:sldId id="259" r:id="rId5"/>
     <p:sldId id="260" r:id="rId6"/>
     <p:sldId id="262" r:id="rId7"/>
@@ -252,7 +252,7 @@
           <a:p>
             <a:fld id="{EC8FD97B-8573-40D1-B9E0-ACCF8ED2665D}" type="datetimeFigureOut">
               <a:rPr lang="en-US" smtClean="0"/>
-              <a:t>7/8/2024</a:t>
+              <a:t>7/22/2024</a:t>
             </a:fld>
             <a:endParaRPr lang="en-US"/>
           </a:p>
@@ -422,7 +422,7 @@
           <a:p>
             <a:fld id="{EC8FD97B-8573-40D1-B9E0-ACCF8ED2665D}" type="datetimeFigureOut">
               <a:rPr lang="en-US" smtClean="0"/>
-              <a:t>7/8/2024</a:t>
+              <a:t>7/22/2024</a:t>
             </a:fld>
             <a:endParaRPr lang="en-US"/>
           </a:p>
@@ -602,7 +602,7 @@
           <a:p>
             <a:fld id="{EC8FD97B-8573-40D1-B9E0-ACCF8ED2665D}" type="datetimeFigureOut">
               <a:rPr lang="en-US" smtClean="0"/>
-              <a:t>7/8/2024</a:t>
+              <a:t>7/22/2024</a:t>
             </a:fld>
             <a:endParaRPr lang="en-US"/>
           </a:p>
@@ -772,7 +772,7 @@
           <a:p>
             <a:fld id="{EC8FD97B-8573-40D1-B9E0-ACCF8ED2665D}" type="datetimeFigureOut">
               <a:rPr lang="en-US" smtClean="0"/>
-              <a:t>7/8/2024</a:t>
+              <a:t>7/22/2024</a:t>
             </a:fld>
             <a:endParaRPr lang="en-US"/>
           </a:p>
@@ -1018,7 +1018,7 @@
           <a:p>
             <a:fld id="{EC8FD97B-8573-40D1-B9E0-ACCF8ED2665D}" type="datetimeFigureOut">
               <a:rPr lang="en-US" smtClean="0"/>
-              <a:t>7/8/2024</a:t>
+              <a:t>7/22/2024</a:t>
             </a:fld>
             <a:endParaRPr lang="en-US"/>
           </a:p>
@@ -1250,7 +1250,7 @@
           <a:p>
             <a:fld id="{EC8FD97B-8573-40D1-B9E0-ACCF8ED2665D}" type="datetimeFigureOut">
               <a:rPr lang="en-US" smtClean="0"/>
-              <a:t>7/8/2024</a:t>
+              <a:t>7/22/2024</a:t>
             </a:fld>
             <a:endParaRPr lang="en-US"/>
           </a:p>
@@ -1617,7 +1617,7 @@
           <a:p>
             <a:fld id="{EC8FD97B-8573-40D1-B9E0-ACCF8ED2665D}" type="datetimeFigureOut">
               <a:rPr lang="en-US" smtClean="0"/>
-              <a:t>7/8/2024</a:t>
+              <a:t>7/22/2024</a:t>
             </a:fld>
             <a:endParaRPr lang="en-US"/>
           </a:p>
@@ -1735,7 +1735,7 @@
           <a:p>
             <a:fld id="{EC8FD97B-8573-40D1-B9E0-ACCF8ED2665D}" type="datetimeFigureOut">
               <a:rPr lang="en-US" smtClean="0"/>
-              <a:t>7/8/2024</a:t>
+              <a:t>7/22/2024</a:t>
             </a:fld>
             <a:endParaRPr lang="en-US"/>
           </a:p>
@@ -1830,7 +1830,7 @@
           <a:p>
             <a:fld id="{EC8FD97B-8573-40D1-B9E0-ACCF8ED2665D}" type="datetimeFigureOut">
               <a:rPr lang="en-US" smtClean="0"/>
-              <a:t>7/8/2024</a:t>
+              <a:t>7/22/2024</a:t>
             </a:fld>
             <a:endParaRPr lang="en-US"/>
           </a:p>
@@ -2107,7 +2107,7 @@
           <a:p>
             <a:fld id="{EC8FD97B-8573-40D1-B9E0-ACCF8ED2665D}" type="datetimeFigureOut">
               <a:rPr lang="en-US" smtClean="0"/>
-              <a:t>7/8/2024</a:t>
+              <a:t>7/22/2024</a:t>
             </a:fld>
             <a:endParaRPr lang="en-US"/>
           </a:p>
@@ -2360,7 +2360,7 @@
           <a:p>
             <a:fld id="{EC8FD97B-8573-40D1-B9E0-ACCF8ED2665D}" type="datetimeFigureOut">
               <a:rPr lang="en-US" smtClean="0"/>
-              <a:t>7/8/2024</a:t>
+              <a:t>7/22/2024</a:t>
             </a:fld>
             <a:endParaRPr lang="en-US"/>
           </a:p>
@@ -2573,7 +2573,7 @@
           <a:p>
             <a:fld id="{EC8FD97B-8573-40D1-B9E0-ACCF8ED2665D}" type="datetimeFigureOut">
               <a:rPr lang="en-US" smtClean="0"/>
-              <a:t>7/8/2024</a:t>
+              <a:t>7/22/2024</a:t>
             </a:fld>
             <a:endParaRPr lang="en-US"/>
           </a:p>
@@ -3239,86 +3239,87 @@
           <a:lstStyle/>
           <a:p>
             <a:r>
+              <a:rPr lang="en-US" dirty="0" smtClean="0"/>
+              <a:t>Versions Used</a:t>
+            </a:r>
+            <a:endParaRPr lang="en-US" dirty="0"/>
+          </a:p>
+        </p:txBody>
+      </p:sp>
+      <p:sp>
+        <p:nvSpPr>
+          <p:cNvPr id="3" name="Content Placeholder 2"/>
+          <p:cNvSpPr>
+            <a:spLocks noGrp="1"/>
+          </p:cNvSpPr>
+          <p:nvPr>
+            <p:ph idx="1"/>
+          </p:nvPr>
+        </p:nvSpPr>
+        <p:spPr/>
+        <p:txBody>
+          <a:bodyPr/>
+          <a:lstStyle/>
+          <a:p>
+            <a:r>
+              <a:rPr lang="en-US" dirty="0" smtClean="0"/>
+              <a:t>MPLABX IDE : v6.20.(Support)</a:t>
+            </a:r>
+          </a:p>
+          <a:p>
+            <a:r>
+              <a:rPr lang="en-US" dirty="0" smtClean="0"/>
+              <a:t>Packs : 1.5.258 </a:t>
+            </a:r>
+            <a:r>
               <a:rPr lang="en-US" dirty="0"/>
-              <a:t>Add </a:t>
-            </a:r>
-            <a:r>
-              <a:rPr lang="en-US" dirty="0" err="1"/>
-              <a:t>Bootload</a:t>
-            </a:r>
+              <a:t>(Latest Supported</a:t>
+            </a:r>
+            <a:r>
+              <a:rPr lang="en-US" dirty="0" smtClean="0"/>
+              <a:t>).</a:t>
+            </a:r>
+            <a:endParaRPr lang="en-US" dirty="0"/>
+          </a:p>
+          <a:p>
+            <a:r>
+              <a:rPr lang="en-US" dirty="0" smtClean="0"/>
+              <a:t>Compiler xc16 : v2.10 .</a:t>
+            </a:r>
+          </a:p>
+          <a:p>
             <a:r>
               <a:rPr lang="en-US" dirty="0"/>
-              <a:t> library in MCC</a:t>
-            </a:r>
-            <a:br>
-              <a:rPr lang="en-US" dirty="0"/>
-            </a:br>
+              <a:t>MCC Core : </a:t>
+            </a:r>
+            <a:r>
+              <a:rPr lang="en-US" dirty="0" smtClean="0"/>
+              <a:t>5.7.1 (Latest Supported).</a:t>
+            </a:r>
+          </a:p>
+          <a:p>
+            <a:r>
+              <a:rPr lang="en-US" dirty="0" smtClean="0"/>
+              <a:t>Bootloader16bit-1.25.0 or latest(Supported</a:t>
+            </a:r>
+            <a:r>
+              <a:rPr lang="en-US" dirty="0" smtClean="0"/>
+              <a:t>).</a:t>
+            </a:r>
+          </a:p>
+          <a:p>
+            <a:r>
+              <a:rPr lang="en-US" smtClean="0"/>
+              <a:t>Java Version : 8.0.4110.9</a:t>
+            </a:r>
             <a:endParaRPr lang="en-US" dirty="0"/>
           </a:p>
         </p:txBody>
       </p:sp>
-      <p:sp>
-        <p:nvSpPr>
-          <p:cNvPr id="4" name="Text Placeholder 3"/>
-          <p:cNvSpPr>
-            <a:spLocks noGrp="1"/>
-          </p:cNvSpPr>
-          <p:nvPr>
-            <p:ph type="body" sz="half" idx="2"/>
-          </p:nvPr>
-        </p:nvSpPr>
-        <p:spPr/>
-        <p:txBody>
-          <a:bodyPr/>
-          <a:lstStyle/>
-          <a:p>
-            <a:endParaRPr lang="en-US" dirty="0"/>
-          </a:p>
-        </p:txBody>
-      </p:sp>
-      <p:pic>
-        <p:nvPicPr>
-          <p:cNvPr id="5" name="Content Placeholder 4"/>
-          <p:cNvPicPr>
-            <a:picLocks noGrp="1"/>
-          </p:cNvPicPr>
-          <p:nvPr>
-            <p:ph idx="1"/>
-          </p:nvPr>
-        </p:nvPicPr>
-        <p:blipFill rotWithShape="1">
-          <a:blip r:embed="rId2">
-            <a:extLst>
-              <a:ext uri="{28A0092B-C50C-407E-A947-70E740481C1C}">
-                <a14:useLocalDpi xmlns:a14="http://schemas.microsoft.com/office/drawing/2010/main" val="0"/>
-              </a:ext>
-            </a:extLst>
-          </a:blip>
-          <a:srcRect b="5930"/>
-          <a:stretch/>
-        </p:blipFill>
-        <p:spPr bwMode="auto">
-          <a:xfrm>
-            <a:off x="4974182" y="1257300"/>
-            <a:ext cx="6978332" cy="4611688"/>
-          </a:xfrm>
-          <a:prstGeom prst="rect">
-            <a:avLst/>
-          </a:prstGeom>
-          <a:ln>
-            <a:noFill/>
-          </a:ln>
-          <a:extLst>
-            <a:ext uri="{53640926-AAD7-44D8-BBD7-CCE9431645EC}">
-              <a14:shadowObscured xmlns:a14="http://schemas.microsoft.com/office/drawing/2010/main"/>
-            </a:ext>
-          </a:extLst>
-        </p:spPr>
-      </p:pic>
     </p:spTree>
     <p:extLst>
       <p:ext uri="{BB962C8B-B14F-4D97-AF65-F5344CB8AC3E}">
-        <p14:creationId xmlns:p14="http://schemas.microsoft.com/office/powerpoint/2010/main" val="1210444272"/>
+        <p14:creationId xmlns:p14="http://schemas.microsoft.com/office/powerpoint/2010/main" val="94249740"/>
       </p:ext>
     </p:extLst>
   </p:cSld>
@@ -3347,7 +3348,7 @@
       </p:grpSpPr>
       <p:sp>
         <p:nvSpPr>
-          <p:cNvPr id="2" name="Title 1"/>
+          <p:cNvPr id="5" name="Title 4"/>
           <p:cNvSpPr>
             <a:spLocks noGrp="1"/>
           </p:cNvSpPr>
@@ -3360,70 +3361,104 @@
           <a:bodyPr/>
           <a:lstStyle/>
           <a:p>
-            <a:endParaRPr lang="en-US"/>
-          </a:p>
-        </p:txBody>
-      </p:sp>
-      <p:sp>
-        <p:nvSpPr>
-          <p:cNvPr id="3" name="Content Placeholder 2"/>
-          <p:cNvSpPr>
-            <a:spLocks noGrp="1"/>
-          </p:cNvSpPr>
-          <p:nvPr>
-            <p:ph idx="1"/>
-          </p:nvPr>
-        </p:nvSpPr>
-        <p:spPr/>
-        <p:txBody>
-          <a:bodyPr/>
-          <a:lstStyle/>
-          <a:p>
-            <a:endParaRPr lang="en-US"/>
-          </a:p>
-        </p:txBody>
-      </p:sp>
-      <p:sp>
-        <p:nvSpPr>
-          <p:cNvPr id="4" name="Text Placeholder 3"/>
-          <p:cNvSpPr>
-            <a:spLocks noGrp="1"/>
-          </p:cNvSpPr>
-          <p:nvPr>
-            <p:ph type="body" sz="half" idx="2"/>
-          </p:nvPr>
-        </p:nvSpPr>
-        <p:spPr/>
-        <p:txBody>
-          <a:bodyPr/>
-          <a:lstStyle/>
-          <a:p>
-            <a:endParaRPr lang="en-US"/>
+            <a:r>
+              <a:rPr lang="en-US" dirty="0" smtClean="0"/>
+              <a:t>Installing Bootloader Library</a:t>
+            </a:r>
+            <a:endParaRPr lang="en-US" dirty="0"/>
+          </a:p>
+        </p:txBody>
+      </p:sp>
+      <p:sp>
+        <p:nvSpPr>
+          <p:cNvPr id="6" name="Text Placeholder 5"/>
+          <p:cNvSpPr>
+            <a:spLocks noGrp="1"/>
+          </p:cNvSpPr>
+          <p:nvPr>
+            <p:ph type="body" idx="1"/>
+          </p:nvPr>
+        </p:nvSpPr>
+        <p:spPr/>
+        <p:txBody>
+          <a:bodyPr/>
+          <a:lstStyle/>
+          <a:p>
+            <a:r>
+              <a:rPr lang="en-US" dirty="0" smtClean="0"/>
+              <a:t>Tools -&gt; Options-&gt;Plugins</a:t>
+            </a:r>
+            <a:endParaRPr lang="en-US" dirty="0"/>
           </a:p>
         </p:txBody>
       </p:sp>
       <p:pic>
         <p:nvPicPr>
-          <p:cNvPr id="5" name="Picture 4"/>
-          <p:cNvPicPr/>
-          <p:nvPr/>
+          <p:cNvPr id="10" name="Content Placeholder 9"/>
+          <p:cNvPicPr>
+            <a:picLocks noGrp="1" noChangeAspect="1"/>
+          </p:cNvPicPr>
+          <p:nvPr>
+            <p:ph sz="half" idx="2"/>
+          </p:nvPr>
         </p:nvPicPr>
         <p:blipFill>
-          <a:blip r:embed="rId2">
-            <a:extLst>
-              <a:ext uri="{28A0092B-C50C-407E-A947-70E740481C1C}">
-                <a14:useLocalDpi xmlns:a14="http://schemas.microsoft.com/office/drawing/2010/main" val="0"/>
-              </a:ext>
-            </a:extLst>
-          </a:blip>
+          <a:blip r:embed="rId2"/>
           <a:stretch>
             <a:fillRect/>
           </a:stretch>
         </p:blipFill>
         <p:spPr>
           <a:xfrm>
-            <a:off x="5003074" y="457201"/>
-            <a:ext cx="6910252" cy="5904410"/>
+            <a:off x="6356436" y="2599646"/>
+            <a:ext cx="4814715" cy="4117793"/>
+          </a:xfrm>
+          <a:prstGeom prst="rect">
+            <a:avLst/>
+          </a:prstGeom>
+        </p:spPr>
+      </p:pic>
+      <p:sp>
+        <p:nvSpPr>
+          <p:cNvPr id="8" name="Text Placeholder 7"/>
+          <p:cNvSpPr>
+            <a:spLocks noGrp="1"/>
+          </p:cNvSpPr>
+          <p:nvPr>
+            <p:ph type="body" sz="quarter" idx="3"/>
+          </p:nvPr>
+        </p:nvSpPr>
+        <p:spPr/>
+        <p:txBody>
+          <a:bodyPr/>
+          <a:lstStyle/>
+          <a:p>
+            <a:r>
+              <a:rPr lang="en-US" dirty="0" smtClean="0"/>
+              <a:t>Plugins -&gt; install Library</a:t>
+            </a:r>
+            <a:endParaRPr lang="en-US" dirty="0"/>
+          </a:p>
+        </p:txBody>
+      </p:sp>
+      <p:pic>
+        <p:nvPicPr>
+          <p:cNvPr id="11" name="Picture 10"/>
+          <p:cNvPicPr>
+            <a:picLocks noChangeAspect="1"/>
+          </p:cNvPicPr>
+          <p:nvPr/>
+        </p:nvPicPr>
+        <p:blipFill>
+          <a:blip r:embed="rId3"/>
+          <a:stretch>
+            <a:fillRect/>
+          </a:stretch>
+        </p:blipFill>
+        <p:spPr>
+          <a:xfrm>
+            <a:off x="68473" y="2505075"/>
+            <a:ext cx="6029115" cy="3980795"/>
           </a:xfrm>
           <a:prstGeom prst="rect">
             <a:avLst/>
@@ -3433,7 +3468,7 @@
     </p:spTree>
     <p:extLst>
       <p:ext uri="{BB962C8B-B14F-4D97-AF65-F5344CB8AC3E}">
-        <p14:creationId xmlns:p14="http://schemas.microsoft.com/office/powerpoint/2010/main" val="4144136348"/>
+        <p14:creationId xmlns:p14="http://schemas.microsoft.com/office/powerpoint/2010/main" val="2315810115"/>
       </p:ext>
     </p:extLst>
   </p:cSld>
@@ -3562,6 +3597,9 @@
           <a:prstGeom prst="rect">
             <a:avLst/>
           </a:prstGeom>
+          <a:ln>
+            <a:noFill/>
+          </a:ln>
         </p:spPr>
       </p:pic>
     </p:spTree>
@@ -3609,7 +3647,15 @@
           <a:bodyPr/>
           <a:lstStyle/>
           <a:p>
-            <a:endParaRPr lang="en-US"/>
+            <a:r>
+              <a:rPr lang="en-US" dirty="0" err="1" smtClean="0"/>
+              <a:t>Bootload</a:t>
+            </a:r>
+            <a:r>
+              <a:rPr lang="en-US" dirty="0" smtClean="0"/>
+              <a:t> Setup</a:t>
+            </a:r>
+            <a:endParaRPr lang="en-US" dirty="0"/>
           </a:p>
         </p:txBody>
       </p:sp>
@@ -3628,10 +3674,89 @@
           <a:bodyPr/>
           <a:lstStyle/>
           <a:p>
+            <a:pPr marL="285750" indent="-285750">
+              <a:buFont typeface="Arial" panose="020B0604020202020204" pitchFamily="34" charset="0"/>
+              <a:buChar char="•"/>
+            </a:pPr>
             <a:r>
               <a:rPr lang="en-US" dirty="0"/>
-              <a:t>Select the protocol and Port to be used</a:t>
-            </a:r>
+              <a:t>Select the </a:t>
+            </a:r>
+            <a:r>
+              <a:rPr lang="en-US" dirty="0" smtClean="0"/>
+              <a:t>Communication protocol </a:t>
+            </a:r>
+            <a:r>
+              <a:rPr lang="en-US" dirty="0"/>
+              <a:t>and Port to be </a:t>
+            </a:r>
+            <a:r>
+              <a:rPr lang="en-US" dirty="0" smtClean="0"/>
+              <a:t>used  between Bootloader and programmer Host (</a:t>
+            </a:r>
+            <a:r>
+              <a:rPr lang="en-US" dirty="0" err="1" smtClean="0"/>
+              <a:t>Eg</a:t>
+            </a:r>
+            <a:r>
+              <a:rPr lang="en-US" dirty="0" smtClean="0"/>
+              <a:t>: UART1 Foundation Services Library)</a:t>
+            </a:r>
+          </a:p>
+          <a:p>
+            <a:pPr marL="285750" indent="-285750">
+              <a:buFont typeface="Arial" panose="020B0604020202020204" pitchFamily="34" charset="0"/>
+              <a:buChar char="•"/>
+            </a:pPr>
+            <a:r>
+              <a:rPr lang="en-US" dirty="0" smtClean="0"/>
+              <a:t>User Defined End Address for </a:t>
+            </a:r>
+            <a:r>
+              <a:rPr lang="en-US" dirty="0" err="1" smtClean="0"/>
+              <a:t>BootLoader</a:t>
+            </a:r>
+            <a:r>
+              <a:rPr lang="en-US" dirty="0" smtClean="0"/>
+              <a:t> (Recommended to keep Default)</a:t>
+            </a:r>
+          </a:p>
+          <a:p>
+            <a:pPr marL="285750" indent="-285750">
+              <a:buFont typeface="Arial" panose="020B0604020202020204" pitchFamily="34" charset="0"/>
+              <a:buChar char="•"/>
+            </a:pPr>
+            <a:r>
+              <a:rPr lang="en-US" dirty="0" smtClean="0"/>
+              <a:t>Enable all Bootloader Commands</a:t>
+            </a:r>
+          </a:p>
+          <a:p>
+            <a:pPr marL="285750" indent="-285750">
+              <a:buFont typeface="Arial" panose="020B0604020202020204" pitchFamily="34" charset="0"/>
+              <a:buChar char="•"/>
+            </a:pPr>
+            <a:r>
+              <a:rPr lang="en-US" dirty="0" smtClean="0"/>
+              <a:t>Select Bootloader Verification :</a:t>
+            </a:r>
+          </a:p>
+          <a:p>
+            <a:pPr marL="285750" indent="-285750">
+              <a:buFont typeface="Wingdings" panose="05000000000000000000" pitchFamily="2" charset="2"/>
+              <a:buChar char="q"/>
+            </a:pPr>
+            <a:r>
+              <a:rPr lang="en-US" dirty="0" smtClean="0"/>
+              <a:t>Verification Scheme : Not Blank ,Checksum, CRC32,SHA256,ECDSA</a:t>
+            </a:r>
+          </a:p>
+          <a:p>
+            <a:r>
+              <a:rPr lang="en-US" dirty="0" smtClean="0"/>
+              <a:t>(Here we used Not Blank)</a:t>
+            </a:r>
+            <a:endParaRPr lang="en-US" dirty="0"/>
           </a:p>
           <a:p>
             <a:endParaRPr lang="en-US" dirty="0"/>
@@ -3717,80 +3842,180 @@
             <p:ph type="title"/>
           </p:nvPr>
         </p:nvSpPr>
-        <p:spPr/>
-        <p:txBody>
-          <a:bodyPr/>
-          <a:lstStyle/>
-          <a:p>
-            <a:endParaRPr lang="en-US"/>
-          </a:p>
-        </p:txBody>
-      </p:sp>
-      <p:sp>
-        <p:nvSpPr>
-          <p:cNvPr id="3" name="Content Placeholder 2"/>
-          <p:cNvSpPr>
-            <a:spLocks noGrp="1"/>
-          </p:cNvSpPr>
+        <p:spPr>
+          <a:xfrm>
+            <a:off x="195943" y="692331"/>
+            <a:ext cx="4576081" cy="824140"/>
+          </a:xfrm>
+        </p:spPr>
+        <p:txBody>
+          <a:bodyPr>
+            <a:noAutofit/>
+          </a:bodyPr>
+          <a:lstStyle/>
+          <a:p>
+            <a:r>
+              <a:rPr lang="en-US" sz="2400" b="1" dirty="0" smtClean="0"/>
+              <a:t>Selecting Required Application Code </a:t>
+            </a:r>
+            <a:endParaRPr lang="en-US" sz="2400" b="1" dirty="0"/>
+          </a:p>
+        </p:txBody>
+      </p:sp>
+      <p:pic>
+        <p:nvPicPr>
+          <p:cNvPr id="5" name="Content Placeholder 4"/>
+          <p:cNvPicPr>
+            <a:picLocks noGrp="1" noChangeAspect="1"/>
+          </p:cNvPicPr>
           <p:nvPr>
             <p:ph idx="1"/>
           </p:nvPr>
-        </p:nvSpPr>
-        <p:spPr/>
-        <p:txBody>
-          <a:bodyPr/>
-          <a:lstStyle/>
+        </p:nvPicPr>
+        <p:blipFill>
+          <a:blip r:embed="rId2">
+            <a:extLst>
+              <a:ext uri="{BEBA8EAE-BF5A-486C-A8C5-ECC9F3942E4B}">
+                <a14:imgProps xmlns:a14="http://schemas.microsoft.com/office/drawing/2010/main">
+                  <a14:imgLayer r:embed="rId3">
+                    <a14:imgEffect>
+                      <a14:sharpenSoften amount="50000"/>
+                    </a14:imgEffect>
+                  </a14:imgLayer>
+                </a14:imgProps>
+              </a:ext>
+            </a:extLst>
+          </a:blip>
+          <a:stretch>
+            <a:fillRect/>
+          </a:stretch>
+        </p:blipFill>
+        <p:spPr>
+          <a:xfrm>
+            <a:off x="5000307" y="587829"/>
+            <a:ext cx="7107547" cy="3082834"/>
+          </a:xfrm>
+          <a:prstGeom prst="rect">
+            <a:avLst/>
+          </a:prstGeom>
+        </p:spPr>
+      </p:pic>
+      <p:sp>
+        <p:nvSpPr>
+          <p:cNvPr id="4" name="Text Placeholder 3"/>
+          <p:cNvSpPr>
+            <a:spLocks noGrp="1"/>
+          </p:cNvSpPr>
+          <p:nvPr>
+            <p:ph type="body" sz="half" idx="2"/>
+          </p:nvPr>
+        </p:nvSpPr>
+        <p:spPr>
+          <a:xfrm>
+            <a:off x="195943" y="1652451"/>
+            <a:ext cx="4576081" cy="3811588"/>
+          </a:xfrm>
+        </p:spPr>
+        <p:txBody>
+          <a:bodyPr/>
+          <a:lstStyle/>
+          <a:p>
+            <a:pPr lvl="0"/>
+            <a:r>
+              <a:rPr lang="en-US" sz="2400" b="1" dirty="0"/>
+              <a:t>Step 3 : </a:t>
+            </a:r>
+            <a:r>
+              <a:rPr lang="en-US" sz="2400" dirty="0"/>
+              <a:t>Get Application Code</a:t>
+            </a:r>
+          </a:p>
+          <a:p>
+            <a:pPr lvl="0"/>
+            <a:r>
+              <a:rPr lang="en-US" sz="2400" b="1" dirty="0"/>
+              <a:t>Step 4 : </a:t>
+            </a:r>
+            <a:r>
+              <a:rPr lang="en-US" sz="2400" dirty="0"/>
+              <a:t>Compile Application Code to get Hex file and Hex </a:t>
+            </a:r>
+            <a:r>
+              <a:rPr lang="en-US" sz="2400" dirty="0" smtClean="0"/>
+              <a:t>code</a:t>
+            </a:r>
+          </a:p>
+          <a:p>
+            <a:pPr lvl="0"/>
+            <a:r>
+              <a:rPr lang="en-US" sz="2400" b="1" dirty="0" smtClean="0"/>
+              <a:t>Step 5 </a:t>
+            </a:r>
+            <a:r>
+              <a:rPr lang="en-US" sz="2400" dirty="0" smtClean="0"/>
+              <a:t>: Add Application Bootloader Library to Application Code</a:t>
+            </a:r>
+          </a:p>
+          <a:p>
+            <a:r>
+              <a:rPr lang="en-US" sz="2400" b="1" dirty="0"/>
+              <a:t>Step </a:t>
+            </a:r>
+            <a:r>
+              <a:rPr lang="en-US" sz="2400" b="1" dirty="0" smtClean="0"/>
+              <a:t>6 </a:t>
+            </a:r>
+            <a:r>
+              <a:rPr lang="en-US" sz="2400" dirty="0"/>
+              <a:t>: </a:t>
+            </a:r>
+            <a:r>
+              <a:rPr lang="en-US" sz="2400" dirty="0" smtClean="0"/>
+              <a:t>Comment Configuration bits in main file, include “mcc generated files/</a:t>
+            </a:r>
+            <a:r>
+              <a:rPr lang="en-US" sz="2400" dirty="0" err="1" smtClean="0"/>
+              <a:t>System.h</a:t>
+            </a:r>
+            <a:r>
+              <a:rPr lang="en-US" sz="2400" dirty="0" smtClean="0"/>
+              <a:t>” instead.</a:t>
+            </a:r>
+            <a:endParaRPr lang="en-US" sz="2400" dirty="0"/>
+          </a:p>
+          <a:p>
+            <a:pPr lvl="0"/>
+            <a:endParaRPr lang="en-US" sz="2400" dirty="0"/>
+          </a:p>
           <a:p>
             <a:endParaRPr lang="en-US" dirty="0"/>
           </a:p>
         </p:txBody>
       </p:sp>
-      <p:sp>
-        <p:nvSpPr>
-          <p:cNvPr id="4" name="Text Placeholder 3"/>
-          <p:cNvSpPr>
-            <a:spLocks noGrp="1"/>
-          </p:cNvSpPr>
-          <p:nvPr>
-            <p:ph type="body" sz="half" idx="2"/>
-          </p:nvPr>
-        </p:nvSpPr>
-        <p:spPr/>
-        <p:txBody>
-          <a:bodyPr/>
-          <a:lstStyle/>
-          <a:p>
-            <a:pPr lvl="0"/>
-            <a:r>
-              <a:rPr lang="en-US" b="1" dirty="0"/>
-              <a:t>Step 3 : Get Application Code</a:t>
-            </a:r>
-            <a:endParaRPr lang="en-US" dirty="0"/>
-          </a:p>
-          <a:p>
-            <a:pPr lvl="0"/>
-            <a:r>
-              <a:rPr lang="en-US" b="1" dirty="0"/>
-              <a:t>Step 4 : Compile Application Code to get Hex file and Hex </a:t>
-            </a:r>
-            <a:r>
-              <a:rPr lang="en-US" b="1" dirty="0" smtClean="0"/>
-              <a:t>code</a:t>
-            </a:r>
-          </a:p>
-          <a:p>
-            <a:pPr lvl="0"/>
-            <a:r>
-              <a:rPr lang="en-US" b="1" dirty="0" smtClean="0"/>
-              <a:t>Step 5 : Add Application Bootloader Library to Application Code</a:t>
-            </a:r>
-            <a:endParaRPr lang="en-US" dirty="0"/>
-          </a:p>
-          <a:p>
-            <a:endParaRPr lang="en-US" dirty="0"/>
-          </a:p>
-        </p:txBody>
-      </p:sp>
+      <p:pic>
+        <p:nvPicPr>
+          <p:cNvPr id="6" name="Picture 5"/>
+          <p:cNvPicPr>
+            <a:picLocks noChangeAspect="1"/>
+          </p:cNvPicPr>
+          <p:nvPr/>
+        </p:nvPicPr>
+        <p:blipFill>
+          <a:blip r:embed="rId4"/>
+          <a:stretch>
+            <a:fillRect/>
+          </a:stretch>
+        </p:blipFill>
+        <p:spPr>
+          <a:xfrm>
+            <a:off x="5321073" y="3961538"/>
+            <a:ext cx="6591140" cy="1916748"/>
+          </a:xfrm>
+          <a:prstGeom prst="rect">
+            <a:avLst/>
+          </a:prstGeom>
+        </p:spPr>
+      </p:pic>
     </p:spTree>
     <p:extLst>
       <p:ext uri="{BB962C8B-B14F-4D97-AF65-F5344CB8AC3E}">
